--- a/report/images/Peg Board.pptx
+++ b/report/images/Peg Board.pptx
@@ -6,7 +6,8 @@
   </p:sldMasterIdLst>
   <p:sldIdLst>
     <p:sldId id="256" r:id="rId2"/>
-    <p:sldId id="257" r:id="rId3"/>
+    <p:sldId id="258" r:id="rId3"/>
+    <p:sldId id="257" r:id="rId4"/>
   </p:sldIdLst>
   <p:sldSz cx="12192000" cy="6858000"/>
   <p:notesSz cx="6858000" cy="9144000"/>
@@ -105,6 +106,11 @@
       </a:defRPr>
     </a:lvl9pPr>
   </p:defaultTextStyle>
+  <p:extLst>
+    <p:ext uri="{EFAFB233-063F-42B5-8137-9DF3F51BA10A}">
+      <p15:sldGuideLst xmlns:p15="http://schemas.microsoft.com/office/powerpoint/2012/main"/>
+    </p:ext>
+  </p:extLst>
 </p:presentation>
 </file>
 
@@ -239,7 +245,7 @@
           <a:p>
             <a:fld id="{4DDDAFE6-0537-477A-A02C-08ED927F5896}" type="datetimeFigureOut">
               <a:rPr lang="en-ZA" smtClean="0"/>
-              <a:t>2017/10/25</a:t>
+              <a:t>2017/10/31</a:t>
             </a:fld>
             <a:endParaRPr lang="en-ZA"/>
           </a:p>
@@ -409,7 +415,7 @@
           <a:p>
             <a:fld id="{4DDDAFE6-0537-477A-A02C-08ED927F5896}" type="datetimeFigureOut">
               <a:rPr lang="en-ZA" smtClean="0"/>
-              <a:t>2017/10/25</a:t>
+              <a:t>2017/10/31</a:t>
             </a:fld>
             <a:endParaRPr lang="en-ZA"/>
           </a:p>
@@ -589,7 +595,7 @@
           <a:p>
             <a:fld id="{4DDDAFE6-0537-477A-A02C-08ED927F5896}" type="datetimeFigureOut">
               <a:rPr lang="en-ZA" smtClean="0"/>
-              <a:t>2017/10/25</a:t>
+              <a:t>2017/10/31</a:t>
             </a:fld>
             <a:endParaRPr lang="en-ZA"/>
           </a:p>
@@ -759,7 +765,7 @@
           <a:p>
             <a:fld id="{4DDDAFE6-0537-477A-A02C-08ED927F5896}" type="datetimeFigureOut">
               <a:rPr lang="en-ZA" smtClean="0"/>
-              <a:t>2017/10/25</a:t>
+              <a:t>2017/10/31</a:t>
             </a:fld>
             <a:endParaRPr lang="en-ZA"/>
           </a:p>
@@ -1005,7 +1011,7 @@
           <a:p>
             <a:fld id="{4DDDAFE6-0537-477A-A02C-08ED927F5896}" type="datetimeFigureOut">
               <a:rPr lang="en-ZA" smtClean="0"/>
-              <a:t>2017/10/25</a:t>
+              <a:t>2017/10/31</a:t>
             </a:fld>
             <a:endParaRPr lang="en-ZA"/>
           </a:p>
@@ -1237,7 +1243,7 @@
           <a:p>
             <a:fld id="{4DDDAFE6-0537-477A-A02C-08ED927F5896}" type="datetimeFigureOut">
               <a:rPr lang="en-ZA" smtClean="0"/>
-              <a:t>2017/10/25</a:t>
+              <a:t>2017/10/31</a:t>
             </a:fld>
             <a:endParaRPr lang="en-ZA"/>
           </a:p>
@@ -1604,7 +1610,7 @@
           <a:p>
             <a:fld id="{4DDDAFE6-0537-477A-A02C-08ED927F5896}" type="datetimeFigureOut">
               <a:rPr lang="en-ZA" smtClean="0"/>
-              <a:t>2017/10/25</a:t>
+              <a:t>2017/10/31</a:t>
             </a:fld>
             <a:endParaRPr lang="en-ZA"/>
           </a:p>
@@ -1722,7 +1728,7 @@
           <a:p>
             <a:fld id="{4DDDAFE6-0537-477A-A02C-08ED927F5896}" type="datetimeFigureOut">
               <a:rPr lang="en-ZA" smtClean="0"/>
-              <a:t>2017/10/25</a:t>
+              <a:t>2017/10/31</a:t>
             </a:fld>
             <a:endParaRPr lang="en-ZA"/>
           </a:p>
@@ -1817,7 +1823,7 @@
           <a:p>
             <a:fld id="{4DDDAFE6-0537-477A-A02C-08ED927F5896}" type="datetimeFigureOut">
               <a:rPr lang="en-ZA" smtClean="0"/>
-              <a:t>2017/10/25</a:t>
+              <a:t>2017/10/31</a:t>
             </a:fld>
             <a:endParaRPr lang="en-ZA"/>
           </a:p>
@@ -2094,7 +2100,7 @@
           <a:p>
             <a:fld id="{4DDDAFE6-0537-477A-A02C-08ED927F5896}" type="datetimeFigureOut">
               <a:rPr lang="en-ZA" smtClean="0"/>
-              <a:t>2017/10/25</a:t>
+              <a:t>2017/10/31</a:t>
             </a:fld>
             <a:endParaRPr lang="en-ZA"/>
           </a:p>
@@ -2347,7 +2353,7 @@
           <a:p>
             <a:fld id="{4DDDAFE6-0537-477A-A02C-08ED927F5896}" type="datetimeFigureOut">
               <a:rPr lang="en-ZA" smtClean="0"/>
-              <a:t>2017/10/25</a:t>
+              <a:t>2017/10/31</a:t>
             </a:fld>
             <a:endParaRPr lang="en-ZA"/>
           </a:p>
@@ -2560,7 +2566,7 @@
           <a:p>
             <a:fld id="{4DDDAFE6-0537-477A-A02C-08ED927F5896}" type="datetimeFigureOut">
               <a:rPr lang="en-ZA" smtClean="0"/>
-              <a:t>2017/10/25</a:t>
+              <a:t>2017/10/31</a:t>
             </a:fld>
             <a:endParaRPr lang="en-ZA"/>
           </a:p>
@@ -3821,6 +3827,1940 @@
           <p:cNvGraphicFramePr>
             <a:graphicFrameLocks noGrp="1"/>
           </p:cNvGraphicFramePr>
+          <p:nvPr>
+            <p:extLst>
+              <p:ext uri="{D42A27DB-BD31-4B8C-83A1-F6EECF244321}">
+                <p14:modId xmlns:p14="http://schemas.microsoft.com/office/powerpoint/2010/main" val="346778424"/>
+              </p:ext>
+            </p:extLst>
+          </p:nvPr>
+        </p:nvGraphicFramePr>
+        <p:xfrm>
+          <a:off x="781347" y="639273"/>
+          <a:ext cx="4706548" cy="4135397"/>
+        </p:xfrm>
+        <a:graphic>
+          <a:graphicData uri="http://schemas.openxmlformats.org/drawingml/2006/table">
+            <a:tbl>
+              <a:tblPr bandRow="1">
+                <a:tableStyleId>{5C22544A-7EE6-4342-B048-85BDC9FD1C3A}</a:tableStyleId>
+              </a:tblPr>
+              <a:tblGrid>
+                <a:gridCol w="672364"/>
+                <a:gridCol w="672364"/>
+                <a:gridCol w="672364"/>
+                <a:gridCol w="672364"/>
+                <a:gridCol w="672364"/>
+                <a:gridCol w="672364"/>
+                <a:gridCol w="672364"/>
+              </a:tblGrid>
+              <a:tr h="590771">
+                <a:tc>
+                  <a:txBody>
+                    <a:bodyPr/>
+                    <a:lstStyle/>
+                    <a:p>
+                      <a:endParaRPr lang="en-ZA" dirty="0"/>
+                    </a:p>
+                  </a:txBody>
+                  <a:tcPr>
+                    <a:solidFill>
+                      <a:schemeClr val="bg1">
+                        <a:lumMod val="85000"/>
+                      </a:schemeClr>
+                    </a:solidFill>
+                  </a:tcPr>
+                </a:tc>
+                <a:tc>
+                  <a:txBody>
+                    <a:bodyPr/>
+                    <a:lstStyle/>
+                    <a:p>
+                      <a:endParaRPr lang="en-ZA" dirty="0"/>
+                    </a:p>
+                  </a:txBody>
+                  <a:tcPr>
+                    <a:solidFill>
+                      <a:schemeClr val="bg1">
+                        <a:lumMod val="85000"/>
+                      </a:schemeClr>
+                    </a:solidFill>
+                  </a:tcPr>
+                </a:tc>
+                <a:tc>
+                  <a:txBody>
+                    <a:bodyPr/>
+                    <a:lstStyle/>
+                    <a:p>
+                      <a:endParaRPr lang="en-ZA" dirty="0"/>
+                    </a:p>
+                  </a:txBody>
+                  <a:tcPr>
+                    <a:solidFill>
+                      <a:schemeClr val="tx1"/>
+                    </a:solidFill>
+                  </a:tcPr>
+                </a:tc>
+                <a:tc>
+                  <a:txBody>
+                    <a:bodyPr/>
+                    <a:lstStyle/>
+                    <a:p>
+                      <a:endParaRPr lang="en-ZA" dirty="0"/>
+                    </a:p>
+                  </a:txBody>
+                  <a:tcPr>
+                    <a:solidFill>
+                      <a:schemeClr val="tx1"/>
+                    </a:solidFill>
+                  </a:tcPr>
+                </a:tc>
+                <a:tc>
+                  <a:txBody>
+                    <a:bodyPr/>
+                    <a:lstStyle/>
+                    <a:p>
+                      <a:endParaRPr lang="en-ZA" dirty="0"/>
+                    </a:p>
+                  </a:txBody>
+                  <a:tcPr>
+                    <a:solidFill>
+                      <a:schemeClr val="tx1"/>
+                    </a:solidFill>
+                  </a:tcPr>
+                </a:tc>
+                <a:tc>
+                  <a:txBody>
+                    <a:bodyPr/>
+                    <a:lstStyle/>
+                    <a:p>
+                      <a:endParaRPr lang="en-ZA" dirty="0"/>
+                    </a:p>
+                  </a:txBody>
+                  <a:tcPr>
+                    <a:solidFill>
+                      <a:schemeClr val="bg1">
+                        <a:lumMod val="85000"/>
+                      </a:schemeClr>
+                    </a:solidFill>
+                  </a:tcPr>
+                </a:tc>
+                <a:tc>
+                  <a:txBody>
+                    <a:bodyPr/>
+                    <a:lstStyle/>
+                    <a:p>
+                      <a:endParaRPr lang="en-ZA" dirty="0"/>
+                    </a:p>
+                  </a:txBody>
+                  <a:tcPr>
+                    <a:solidFill>
+                      <a:schemeClr val="bg1">
+                        <a:lumMod val="85000"/>
+                      </a:schemeClr>
+                    </a:solidFill>
+                  </a:tcPr>
+                </a:tc>
+              </a:tr>
+              <a:tr h="590771">
+                <a:tc>
+                  <a:txBody>
+                    <a:bodyPr/>
+                    <a:lstStyle/>
+                    <a:p>
+                      <a:endParaRPr lang="en-ZA"/>
+                    </a:p>
+                  </a:txBody>
+                  <a:tcPr>
+                    <a:solidFill>
+                      <a:schemeClr val="bg1">
+                        <a:lumMod val="85000"/>
+                      </a:schemeClr>
+                    </a:solidFill>
+                  </a:tcPr>
+                </a:tc>
+                <a:tc>
+                  <a:txBody>
+                    <a:bodyPr/>
+                    <a:lstStyle/>
+                    <a:p>
+                      <a:endParaRPr lang="en-ZA" dirty="0"/>
+                    </a:p>
+                  </a:txBody>
+                  <a:tcPr>
+                    <a:solidFill>
+                      <a:schemeClr val="tx1"/>
+                    </a:solidFill>
+                  </a:tcPr>
+                </a:tc>
+                <a:tc>
+                  <a:txBody>
+                    <a:bodyPr/>
+                    <a:lstStyle/>
+                    <a:p>
+                      <a:endParaRPr lang="en-ZA" dirty="0"/>
+                    </a:p>
+                  </a:txBody>
+                  <a:tcPr>
+                    <a:solidFill>
+                      <a:schemeClr val="tx1"/>
+                    </a:solidFill>
+                  </a:tcPr>
+                </a:tc>
+                <a:tc>
+                  <a:txBody>
+                    <a:bodyPr/>
+                    <a:lstStyle/>
+                    <a:p>
+                      <a:endParaRPr lang="en-ZA" dirty="0"/>
+                    </a:p>
+                  </a:txBody>
+                  <a:tcPr>
+                    <a:solidFill>
+                      <a:schemeClr val="tx1"/>
+                    </a:solidFill>
+                  </a:tcPr>
+                </a:tc>
+                <a:tc>
+                  <a:txBody>
+                    <a:bodyPr/>
+                    <a:lstStyle/>
+                    <a:p>
+                      <a:endParaRPr lang="en-ZA" dirty="0"/>
+                    </a:p>
+                  </a:txBody>
+                  <a:tcPr>
+                    <a:solidFill>
+                      <a:schemeClr val="tx1"/>
+                    </a:solidFill>
+                  </a:tcPr>
+                </a:tc>
+                <a:tc>
+                  <a:txBody>
+                    <a:bodyPr/>
+                    <a:lstStyle/>
+                    <a:p>
+                      <a:endParaRPr lang="en-ZA" dirty="0"/>
+                    </a:p>
+                  </a:txBody>
+                  <a:tcPr>
+                    <a:solidFill>
+                      <a:schemeClr val="tx1"/>
+                    </a:solidFill>
+                  </a:tcPr>
+                </a:tc>
+                <a:tc>
+                  <a:txBody>
+                    <a:bodyPr/>
+                    <a:lstStyle/>
+                    <a:p>
+                      <a:endParaRPr lang="en-ZA"/>
+                    </a:p>
+                  </a:txBody>
+                  <a:tcPr>
+                    <a:solidFill>
+                      <a:schemeClr val="bg1">
+                        <a:lumMod val="85000"/>
+                      </a:schemeClr>
+                    </a:solidFill>
+                  </a:tcPr>
+                </a:tc>
+              </a:tr>
+              <a:tr h="590771">
+                <a:tc>
+                  <a:txBody>
+                    <a:bodyPr/>
+                    <a:lstStyle/>
+                    <a:p>
+                      <a:endParaRPr lang="en-ZA"/>
+                    </a:p>
+                  </a:txBody>
+                  <a:tcPr>
+                    <a:solidFill>
+                      <a:schemeClr val="bg1">
+                        <a:lumMod val="85000"/>
+                      </a:schemeClr>
+                    </a:solidFill>
+                  </a:tcPr>
+                </a:tc>
+                <a:tc>
+                  <a:txBody>
+                    <a:bodyPr/>
+                    <a:lstStyle/>
+                    <a:p>
+                      <a:endParaRPr lang="en-ZA"/>
+                    </a:p>
+                  </a:txBody>
+                  <a:tcPr>
+                    <a:solidFill>
+                      <a:schemeClr val="tx1"/>
+                    </a:solidFill>
+                  </a:tcPr>
+                </a:tc>
+                <a:tc>
+                  <a:txBody>
+                    <a:bodyPr/>
+                    <a:lstStyle/>
+                    <a:p>
+                      <a:endParaRPr lang="en-ZA" dirty="0"/>
+                    </a:p>
+                  </a:txBody>
+                  <a:tcPr>
+                    <a:solidFill>
+                      <a:schemeClr val="tx1"/>
+                    </a:solidFill>
+                  </a:tcPr>
+                </a:tc>
+                <a:tc>
+                  <a:txBody>
+                    <a:bodyPr/>
+                    <a:lstStyle/>
+                    <a:p>
+                      <a:endParaRPr lang="en-ZA" dirty="0"/>
+                    </a:p>
+                  </a:txBody>
+                  <a:tcPr>
+                    <a:solidFill>
+                      <a:schemeClr val="tx1"/>
+                    </a:solidFill>
+                  </a:tcPr>
+                </a:tc>
+                <a:tc>
+                  <a:txBody>
+                    <a:bodyPr/>
+                    <a:lstStyle/>
+                    <a:p>
+                      <a:endParaRPr lang="en-ZA" dirty="0"/>
+                    </a:p>
+                  </a:txBody>
+                  <a:tcPr>
+                    <a:solidFill>
+                      <a:schemeClr val="tx1"/>
+                    </a:solidFill>
+                  </a:tcPr>
+                </a:tc>
+                <a:tc>
+                  <a:txBody>
+                    <a:bodyPr/>
+                    <a:lstStyle/>
+                    <a:p>
+                      <a:endParaRPr lang="en-ZA" dirty="0"/>
+                    </a:p>
+                  </a:txBody>
+                  <a:tcPr>
+                    <a:solidFill>
+                      <a:schemeClr val="tx1"/>
+                    </a:solidFill>
+                  </a:tcPr>
+                </a:tc>
+                <a:tc>
+                  <a:txBody>
+                    <a:bodyPr/>
+                    <a:lstStyle/>
+                    <a:p>
+                      <a:endParaRPr lang="en-ZA" dirty="0"/>
+                    </a:p>
+                  </a:txBody>
+                  <a:tcPr>
+                    <a:solidFill>
+                      <a:schemeClr val="tx1"/>
+                    </a:solidFill>
+                  </a:tcPr>
+                </a:tc>
+              </a:tr>
+              <a:tr h="590771">
+                <a:tc>
+                  <a:txBody>
+                    <a:bodyPr/>
+                    <a:lstStyle/>
+                    <a:p>
+                      <a:endParaRPr lang="en-ZA"/>
+                    </a:p>
+                  </a:txBody>
+                  <a:tcPr>
+                    <a:solidFill>
+                      <a:schemeClr val="tx1"/>
+                    </a:solidFill>
+                  </a:tcPr>
+                </a:tc>
+                <a:tc>
+                  <a:txBody>
+                    <a:bodyPr/>
+                    <a:lstStyle/>
+                    <a:p>
+                      <a:endParaRPr lang="en-ZA"/>
+                    </a:p>
+                  </a:txBody>
+                  <a:tcPr>
+                    <a:solidFill>
+                      <a:schemeClr val="tx1"/>
+                    </a:solidFill>
+                  </a:tcPr>
+                </a:tc>
+                <a:tc>
+                  <a:txBody>
+                    <a:bodyPr/>
+                    <a:lstStyle/>
+                    <a:p>
+                      <a:endParaRPr lang="en-ZA" dirty="0"/>
+                    </a:p>
+                  </a:txBody>
+                  <a:tcPr>
+                    <a:solidFill>
+                      <a:schemeClr val="tx1"/>
+                    </a:solidFill>
+                  </a:tcPr>
+                </a:tc>
+                <a:tc>
+                  <a:txBody>
+                    <a:bodyPr/>
+                    <a:lstStyle/>
+                    <a:p>
+                      <a:endParaRPr lang="en-ZA" dirty="0"/>
+                    </a:p>
+                  </a:txBody>
+                  <a:tcPr>
+                    <a:solidFill>
+                      <a:schemeClr val="tx1"/>
+                    </a:solidFill>
+                  </a:tcPr>
+                </a:tc>
+                <a:tc>
+                  <a:txBody>
+                    <a:bodyPr/>
+                    <a:lstStyle/>
+                    <a:p>
+                      <a:endParaRPr lang="en-ZA" dirty="0"/>
+                    </a:p>
+                  </a:txBody>
+                  <a:tcPr>
+                    <a:solidFill>
+                      <a:schemeClr val="bg1"/>
+                    </a:solidFill>
+                  </a:tcPr>
+                </a:tc>
+                <a:tc>
+                  <a:txBody>
+                    <a:bodyPr/>
+                    <a:lstStyle/>
+                    <a:p>
+                      <a:endParaRPr lang="en-ZA" dirty="0"/>
+                    </a:p>
+                  </a:txBody>
+                  <a:tcPr>
+                    <a:solidFill>
+                      <a:schemeClr val="tx1"/>
+                    </a:solidFill>
+                  </a:tcPr>
+                </a:tc>
+                <a:tc>
+                  <a:txBody>
+                    <a:bodyPr/>
+                    <a:lstStyle/>
+                    <a:p>
+                      <a:endParaRPr lang="en-ZA" dirty="0"/>
+                    </a:p>
+                  </a:txBody>
+                  <a:tcPr>
+                    <a:solidFill>
+                      <a:schemeClr val="tx1"/>
+                    </a:solidFill>
+                  </a:tcPr>
+                </a:tc>
+              </a:tr>
+              <a:tr h="590771">
+                <a:tc>
+                  <a:txBody>
+                    <a:bodyPr/>
+                    <a:lstStyle/>
+                    <a:p>
+                      <a:endParaRPr lang="en-ZA"/>
+                    </a:p>
+                  </a:txBody>
+                  <a:tcPr>
+                    <a:solidFill>
+                      <a:schemeClr val="tx1"/>
+                    </a:solidFill>
+                  </a:tcPr>
+                </a:tc>
+                <a:tc>
+                  <a:txBody>
+                    <a:bodyPr/>
+                    <a:lstStyle/>
+                    <a:p>
+                      <a:endParaRPr lang="en-ZA"/>
+                    </a:p>
+                  </a:txBody>
+                  <a:tcPr>
+                    <a:solidFill>
+                      <a:schemeClr val="tx1"/>
+                    </a:solidFill>
+                  </a:tcPr>
+                </a:tc>
+                <a:tc>
+                  <a:txBody>
+                    <a:bodyPr/>
+                    <a:lstStyle/>
+                    <a:p>
+                      <a:endParaRPr lang="en-ZA"/>
+                    </a:p>
+                  </a:txBody>
+                  <a:tcPr>
+                    <a:solidFill>
+                      <a:schemeClr val="tx1"/>
+                    </a:solidFill>
+                  </a:tcPr>
+                </a:tc>
+                <a:tc>
+                  <a:txBody>
+                    <a:bodyPr/>
+                    <a:lstStyle/>
+                    <a:p>
+                      <a:endParaRPr lang="en-ZA" dirty="0"/>
+                    </a:p>
+                  </a:txBody>
+                  <a:tcPr>
+                    <a:solidFill>
+                      <a:schemeClr val="tx1"/>
+                    </a:solidFill>
+                  </a:tcPr>
+                </a:tc>
+                <a:tc>
+                  <a:txBody>
+                    <a:bodyPr/>
+                    <a:lstStyle/>
+                    <a:p>
+                      <a:endParaRPr lang="en-ZA" dirty="0"/>
+                    </a:p>
+                  </a:txBody>
+                  <a:tcPr>
+                    <a:solidFill>
+                      <a:schemeClr val="bg1"/>
+                    </a:solidFill>
+                  </a:tcPr>
+                </a:tc>
+                <a:tc>
+                  <a:txBody>
+                    <a:bodyPr/>
+                    <a:lstStyle/>
+                    <a:p>
+                      <a:endParaRPr lang="en-ZA"/>
+                    </a:p>
+                  </a:txBody>
+                  <a:tcPr>
+                    <a:solidFill>
+                      <a:schemeClr val="tx1"/>
+                    </a:solidFill>
+                  </a:tcPr>
+                </a:tc>
+                <a:tc>
+                  <a:txBody>
+                    <a:bodyPr/>
+                    <a:lstStyle/>
+                    <a:p>
+                      <a:endParaRPr lang="en-ZA" dirty="0"/>
+                    </a:p>
+                  </a:txBody>
+                  <a:tcPr>
+                    <a:solidFill>
+                      <a:schemeClr val="tx1"/>
+                    </a:solidFill>
+                  </a:tcPr>
+                </a:tc>
+              </a:tr>
+              <a:tr h="590771">
+                <a:tc>
+                  <a:txBody>
+                    <a:bodyPr/>
+                    <a:lstStyle/>
+                    <a:p>
+                      <a:endParaRPr lang="en-ZA"/>
+                    </a:p>
+                  </a:txBody>
+                  <a:tcPr>
+                    <a:solidFill>
+                      <a:schemeClr val="bg1">
+                        <a:lumMod val="85000"/>
+                      </a:schemeClr>
+                    </a:solidFill>
+                  </a:tcPr>
+                </a:tc>
+                <a:tc>
+                  <a:txBody>
+                    <a:bodyPr/>
+                    <a:lstStyle/>
+                    <a:p>
+                      <a:endParaRPr lang="en-ZA" dirty="0"/>
+                    </a:p>
+                  </a:txBody>
+                  <a:tcPr>
+                    <a:solidFill>
+                      <a:schemeClr val="tx1"/>
+                    </a:solidFill>
+                  </a:tcPr>
+                </a:tc>
+                <a:tc>
+                  <a:txBody>
+                    <a:bodyPr/>
+                    <a:lstStyle/>
+                    <a:p>
+                      <a:endParaRPr lang="en-ZA" dirty="0"/>
+                    </a:p>
+                  </a:txBody>
+                  <a:tcPr>
+                    <a:solidFill>
+                      <a:schemeClr val="tx1"/>
+                    </a:solidFill>
+                  </a:tcPr>
+                </a:tc>
+                <a:tc>
+                  <a:txBody>
+                    <a:bodyPr/>
+                    <a:lstStyle/>
+                    <a:p>
+                      <a:endParaRPr lang="en-ZA" dirty="0"/>
+                    </a:p>
+                  </a:txBody>
+                  <a:tcPr>
+                    <a:solidFill>
+                      <a:schemeClr val="tx1"/>
+                    </a:solidFill>
+                  </a:tcPr>
+                </a:tc>
+                <a:tc>
+                  <a:txBody>
+                    <a:bodyPr/>
+                    <a:lstStyle/>
+                    <a:p>
+                      <a:endParaRPr lang="en-ZA" dirty="0"/>
+                    </a:p>
+                  </a:txBody>
+                  <a:tcPr>
+                    <a:solidFill>
+                      <a:schemeClr val="tx1"/>
+                    </a:solidFill>
+                  </a:tcPr>
+                </a:tc>
+                <a:tc>
+                  <a:txBody>
+                    <a:bodyPr/>
+                    <a:lstStyle/>
+                    <a:p>
+                      <a:endParaRPr lang="en-ZA" dirty="0"/>
+                    </a:p>
+                  </a:txBody>
+                  <a:tcPr>
+                    <a:solidFill>
+                      <a:schemeClr val="tx1"/>
+                    </a:solidFill>
+                  </a:tcPr>
+                </a:tc>
+                <a:tc>
+                  <a:txBody>
+                    <a:bodyPr/>
+                    <a:lstStyle/>
+                    <a:p>
+                      <a:endParaRPr lang="en-ZA"/>
+                    </a:p>
+                  </a:txBody>
+                  <a:tcPr>
+                    <a:solidFill>
+                      <a:schemeClr val="bg1">
+                        <a:lumMod val="85000"/>
+                      </a:schemeClr>
+                    </a:solidFill>
+                  </a:tcPr>
+                </a:tc>
+              </a:tr>
+              <a:tr h="590771">
+                <a:tc>
+                  <a:txBody>
+                    <a:bodyPr/>
+                    <a:lstStyle/>
+                    <a:p>
+                      <a:endParaRPr lang="en-ZA"/>
+                    </a:p>
+                  </a:txBody>
+                  <a:tcPr>
+                    <a:solidFill>
+                      <a:schemeClr val="bg1">
+                        <a:lumMod val="85000"/>
+                      </a:schemeClr>
+                    </a:solidFill>
+                  </a:tcPr>
+                </a:tc>
+                <a:tc>
+                  <a:txBody>
+                    <a:bodyPr/>
+                    <a:lstStyle/>
+                    <a:p>
+                      <a:endParaRPr lang="en-ZA"/>
+                    </a:p>
+                  </a:txBody>
+                  <a:tcPr>
+                    <a:solidFill>
+                      <a:schemeClr val="bg1">
+                        <a:lumMod val="85000"/>
+                      </a:schemeClr>
+                    </a:solidFill>
+                  </a:tcPr>
+                </a:tc>
+                <a:tc>
+                  <a:txBody>
+                    <a:bodyPr/>
+                    <a:lstStyle/>
+                    <a:p>
+                      <a:endParaRPr lang="en-ZA" dirty="0"/>
+                    </a:p>
+                  </a:txBody>
+                  <a:tcPr>
+                    <a:solidFill>
+                      <a:schemeClr val="tx1"/>
+                    </a:solidFill>
+                  </a:tcPr>
+                </a:tc>
+                <a:tc>
+                  <a:txBody>
+                    <a:bodyPr/>
+                    <a:lstStyle/>
+                    <a:p>
+                      <a:endParaRPr lang="en-ZA" dirty="0"/>
+                    </a:p>
+                  </a:txBody>
+                  <a:tcPr>
+                    <a:solidFill>
+                      <a:schemeClr val="tx1"/>
+                    </a:solidFill>
+                  </a:tcPr>
+                </a:tc>
+                <a:tc>
+                  <a:txBody>
+                    <a:bodyPr/>
+                    <a:lstStyle/>
+                    <a:p>
+                      <a:endParaRPr lang="en-ZA" dirty="0"/>
+                    </a:p>
+                  </a:txBody>
+                  <a:tcPr>
+                    <a:solidFill>
+                      <a:schemeClr val="tx1"/>
+                    </a:solidFill>
+                  </a:tcPr>
+                </a:tc>
+                <a:tc>
+                  <a:txBody>
+                    <a:bodyPr/>
+                    <a:lstStyle/>
+                    <a:p>
+                      <a:endParaRPr lang="en-ZA" dirty="0"/>
+                    </a:p>
+                  </a:txBody>
+                  <a:tcPr>
+                    <a:solidFill>
+                      <a:schemeClr val="bg1">
+                        <a:lumMod val="85000"/>
+                      </a:schemeClr>
+                    </a:solidFill>
+                  </a:tcPr>
+                </a:tc>
+                <a:tc>
+                  <a:txBody>
+                    <a:bodyPr/>
+                    <a:lstStyle/>
+                    <a:p>
+                      <a:endParaRPr lang="en-ZA" dirty="0"/>
+                    </a:p>
+                  </a:txBody>
+                  <a:tcPr>
+                    <a:solidFill>
+                      <a:schemeClr val="bg1">
+                        <a:lumMod val="85000"/>
+                      </a:schemeClr>
+                    </a:solidFill>
+                  </a:tcPr>
+                </a:tc>
+              </a:tr>
+            </a:tbl>
+          </a:graphicData>
+        </a:graphic>
+      </p:graphicFrame>
+      <p:graphicFrame>
+        <p:nvGraphicFramePr>
+          <p:cNvPr id="5" name="Table 4"/>
+          <p:cNvGraphicFramePr>
+            <a:graphicFrameLocks noGrp="1"/>
+          </p:cNvGraphicFramePr>
+          <p:nvPr>
+            <p:extLst>
+              <p:ext uri="{D42A27DB-BD31-4B8C-83A1-F6EECF244321}">
+                <p14:modId xmlns:p14="http://schemas.microsoft.com/office/powerpoint/2010/main" val="4254191756"/>
+              </p:ext>
+            </p:extLst>
+          </p:nvPr>
+        </p:nvGraphicFramePr>
+        <p:xfrm>
+          <a:off x="5602729" y="639272"/>
+          <a:ext cx="4706548" cy="4135397"/>
+        </p:xfrm>
+        <a:graphic>
+          <a:graphicData uri="http://schemas.openxmlformats.org/drawingml/2006/table">
+            <a:tbl>
+              <a:tblPr bandRow="1">
+                <a:tableStyleId>{5C22544A-7EE6-4342-B048-85BDC9FD1C3A}</a:tableStyleId>
+              </a:tblPr>
+              <a:tblGrid>
+                <a:gridCol w="672364"/>
+                <a:gridCol w="672364"/>
+                <a:gridCol w="672364"/>
+                <a:gridCol w="672364"/>
+                <a:gridCol w="672364"/>
+                <a:gridCol w="672364"/>
+                <a:gridCol w="672364"/>
+              </a:tblGrid>
+              <a:tr h="590771">
+                <a:tc>
+                  <a:txBody>
+                    <a:bodyPr/>
+                    <a:lstStyle/>
+                    <a:p>
+                      <a:endParaRPr lang="en-ZA" dirty="0"/>
+                    </a:p>
+                  </a:txBody>
+                  <a:tcPr>
+                    <a:solidFill>
+                      <a:schemeClr val="bg1">
+                        <a:lumMod val="85000"/>
+                      </a:schemeClr>
+                    </a:solidFill>
+                  </a:tcPr>
+                </a:tc>
+                <a:tc>
+                  <a:txBody>
+                    <a:bodyPr/>
+                    <a:lstStyle/>
+                    <a:p>
+                      <a:endParaRPr lang="en-ZA" dirty="0"/>
+                    </a:p>
+                  </a:txBody>
+                  <a:tcPr>
+                    <a:solidFill>
+                      <a:schemeClr val="bg1">
+                        <a:lumMod val="85000"/>
+                      </a:schemeClr>
+                    </a:solidFill>
+                  </a:tcPr>
+                </a:tc>
+                <a:tc>
+                  <a:txBody>
+                    <a:bodyPr/>
+                    <a:lstStyle/>
+                    <a:p>
+                      <a:endParaRPr lang="en-ZA" dirty="0"/>
+                    </a:p>
+                  </a:txBody>
+                  <a:tcPr>
+                    <a:solidFill>
+                      <a:schemeClr val="tx1"/>
+                    </a:solidFill>
+                  </a:tcPr>
+                </a:tc>
+                <a:tc>
+                  <a:txBody>
+                    <a:bodyPr/>
+                    <a:lstStyle/>
+                    <a:p>
+                      <a:endParaRPr lang="en-ZA" dirty="0"/>
+                    </a:p>
+                  </a:txBody>
+                  <a:tcPr>
+                    <a:solidFill>
+                      <a:schemeClr val="tx1"/>
+                    </a:solidFill>
+                  </a:tcPr>
+                </a:tc>
+                <a:tc>
+                  <a:txBody>
+                    <a:bodyPr/>
+                    <a:lstStyle/>
+                    <a:p>
+                      <a:endParaRPr lang="en-ZA" dirty="0"/>
+                    </a:p>
+                  </a:txBody>
+                  <a:tcPr>
+                    <a:solidFill>
+                      <a:schemeClr val="tx1"/>
+                    </a:solidFill>
+                  </a:tcPr>
+                </a:tc>
+                <a:tc>
+                  <a:txBody>
+                    <a:bodyPr/>
+                    <a:lstStyle/>
+                    <a:p>
+                      <a:endParaRPr lang="en-ZA" dirty="0"/>
+                    </a:p>
+                  </a:txBody>
+                  <a:tcPr>
+                    <a:solidFill>
+                      <a:schemeClr val="bg1">
+                        <a:lumMod val="85000"/>
+                      </a:schemeClr>
+                    </a:solidFill>
+                  </a:tcPr>
+                </a:tc>
+                <a:tc>
+                  <a:txBody>
+                    <a:bodyPr/>
+                    <a:lstStyle/>
+                    <a:p>
+                      <a:endParaRPr lang="en-ZA" dirty="0"/>
+                    </a:p>
+                  </a:txBody>
+                  <a:tcPr>
+                    <a:solidFill>
+                      <a:schemeClr val="bg1">
+                        <a:lumMod val="85000"/>
+                      </a:schemeClr>
+                    </a:solidFill>
+                  </a:tcPr>
+                </a:tc>
+              </a:tr>
+              <a:tr h="590771">
+                <a:tc>
+                  <a:txBody>
+                    <a:bodyPr/>
+                    <a:lstStyle/>
+                    <a:p>
+                      <a:endParaRPr lang="en-ZA"/>
+                    </a:p>
+                  </a:txBody>
+                  <a:tcPr>
+                    <a:solidFill>
+                      <a:schemeClr val="bg1">
+                        <a:lumMod val="85000"/>
+                      </a:schemeClr>
+                    </a:solidFill>
+                  </a:tcPr>
+                </a:tc>
+                <a:tc>
+                  <a:txBody>
+                    <a:bodyPr/>
+                    <a:lstStyle/>
+                    <a:p>
+                      <a:endParaRPr lang="en-ZA" dirty="0"/>
+                    </a:p>
+                  </a:txBody>
+                  <a:tcPr>
+                    <a:solidFill>
+                      <a:schemeClr val="tx1"/>
+                    </a:solidFill>
+                  </a:tcPr>
+                </a:tc>
+                <a:tc>
+                  <a:txBody>
+                    <a:bodyPr/>
+                    <a:lstStyle/>
+                    <a:p>
+                      <a:endParaRPr lang="en-ZA" dirty="0"/>
+                    </a:p>
+                  </a:txBody>
+                  <a:tcPr>
+                    <a:solidFill>
+                      <a:schemeClr val="tx1"/>
+                    </a:solidFill>
+                  </a:tcPr>
+                </a:tc>
+                <a:tc>
+                  <a:txBody>
+                    <a:bodyPr/>
+                    <a:lstStyle/>
+                    <a:p>
+                      <a:endParaRPr lang="en-ZA" dirty="0"/>
+                    </a:p>
+                  </a:txBody>
+                  <a:tcPr>
+                    <a:solidFill>
+                      <a:schemeClr val="tx1"/>
+                    </a:solidFill>
+                  </a:tcPr>
+                </a:tc>
+                <a:tc>
+                  <a:txBody>
+                    <a:bodyPr/>
+                    <a:lstStyle/>
+                    <a:p>
+                      <a:endParaRPr lang="en-ZA" dirty="0"/>
+                    </a:p>
+                  </a:txBody>
+                  <a:tcPr>
+                    <a:solidFill>
+                      <a:schemeClr val="tx1"/>
+                    </a:solidFill>
+                  </a:tcPr>
+                </a:tc>
+                <a:tc>
+                  <a:txBody>
+                    <a:bodyPr/>
+                    <a:lstStyle/>
+                    <a:p>
+                      <a:endParaRPr lang="en-ZA" dirty="0"/>
+                    </a:p>
+                  </a:txBody>
+                  <a:tcPr>
+                    <a:solidFill>
+                      <a:schemeClr val="tx1"/>
+                    </a:solidFill>
+                  </a:tcPr>
+                </a:tc>
+                <a:tc>
+                  <a:txBody>
+                    <a:bodyPr/>
+                    <a:lstStyle/>
+                    <a:p>
+                      <a:endParaRPr lang="en-ZA"/>
+                    </a:p>
+                  </a:txBody>
+                  <a:tcPr>
+                    <a:solidFill>
+                      <a:schemeClr val="bg1">
+                        <a:lumMod val="85000"/>
+                      </a:schemeClr>
+                    </a:solidFill>
+                  </a:tcPr>
+                </a:tc>
+              </a:tr>
+              <a:tr h="590771">
+                <a:tc>
+                  <a:txBody>
+                    <a:bodyPr/>
+                    <a:lstStyle/>
+                    <a:p>
+                      <a:endParaRPr lang="en-ZA"/>
+                    </a:p>
+                  </a:txBody>
+                  <a:tcPr>
+                    <a:solidFill>
+                      <a:schemeClr val="bg1">
+                        <a:lumMod val="85000"/>
+                      </a:schemeClr>
+                    </a:solidFill>
+                  </a:tcPr>
+                </a:tc>
+                <a:tc>
+                  <a:txBody>
+                    <a:bodyPr/>
+                    <a:lstStyle/>
+                    <a:p>
+                      <a:endParaRPr lang="en-ZA"/>
+                    </a:p>
+                  </a:txBody>
+                  <a:tcPr>
+                    <a:solidFill>
+                      <a:schemeClr val="tx1"/>
+                    </a:solidFill>
+                  </a:tcPr>
+                </a:tc>
+                <a:tc>
+                  <a:txBody>
+                    <a:bodyPr/>
+                    <a:lstStyle/>
+                    <a:p>
+                      <a:endParaRPr lang="en-ZA" dirty="0"/>
+                    </a:p>
+                  </a:txBody>
+                  <a:tcPr>
+                    <a:solidFill>
+                      <a:schemeClr val="tx1"/>
+                    </a:solidFill>
+                  </a:tcPr>
+                </a:tc>
+                <a:tc>
+                  <a:txBody>
+                    <a:bodyPr/>
+                    <a:lstStyle/>
+                    <a:p>
+                      <a:endParaRPr lang="en-ZA" dirty="0"/>
+                    </a:p>
+                  </a:txBody>
+                  <a:tcPr>
+                    <a:solidFill>
+                      <a:schemeClr val="tx1"/>
+                    </a:solidFill>
+                  </a:tcPr>
+                </a:tc>
+                <a:tc>
+                  <a:txBody>
+                    <a:bodyPr/>
+                    <a:lstStyle/>
+                    <a:p>
+                      <a:endParaRPr lang="en-ZA" dirty="0"/>
+                    </a:p>
+                  </a:txBody>
+                  <a:tcPr>
+                    <a:solidFill>
+                      <a:schemeClr val="tx1"/>
+                    </a:solidFill>
+                  </a:tcPr>
+                </a:tc>
+                <a:tc>
+                  <a:txBody>
+                    <a:bodyPr/>
+                    <a:lstStyle/>
+                    <a:p>
+                      <a:endParaRPr lang="en-ZA" dirty="0"/>
+                    </a:p>
+                  </a:txBody>
+                  <a:tcPr>
+                    <a:solidFill>
+                      <a:schemeClr val="tx1"/>
+                    </a:solidFill>
+                  </a:tcPr>
+                </a:tc>
+                <a:tc>
+                  <a:txBody>
+                    <a:bodyPr/>
+                    <a:lstStyle/>
+                    <a:p>
+                      <a:endParaRPr lang="en-ZA" dirty="0"/>
+                    </a:p>
+                  </a:txBody>
+                  <a:tcPr>
+                    <a:solidFill>
+                      <a:schemeClr val="tx1"/>
+                    </a:solidFill>
+                  </a:tcPr>
+                </a:tc>
+              </a:tr>
+              <a:tr h="590771">
+                <a:tc>
+                  <a:txBody>
+                    <a:bodyPr/>
+                    <a:lstStyle/>
+                    <a:p>
+                      <a:endParaRPr lang="en-ZA"/>
+                    </a:p>
+                  </a:txBody>
+                  <a:tcPr>
+                    <a:solidFill>
+                      <a:schemeClr val="tx1"/>
+                    </a:solidFill>
+                  </a:tcPr>
+                </a:tc>
+                <a:tc>
+                  <a:txBody>
+                    <a:bodyPr/>
+                    <a:lstStyle/>
+                    <a:p>
+                      <a:endParaRPr lang="en-ZA"/>
+                    </a:p>
+                  </a:txBody>
+                  <a:tcPr>
+                    <a:solidFill>
+                      <a:schemeClr val="tx1"/>
+                    </a:solidFill>
+                  </a:tcPr>
+                </a:tc>
+                <a:tc>
+                  <a:txBody>
+                    <a:bodyPr/>
+                    <a:lstStyle/>
+                    <a:p>
+                      <a:endParaRPr lang="en-ZA" dirty="0"/>
+                    </a:p>
+                  </a:txBody>
+                  <a:tcPr>
+                    <a:solidFill>
+                      <a:schemeClr val="tx1"/>
+                    </a:solidFill>
+                  </a:tcPr>
+                </a:tc>
+                <a:tc>
+                  <a:txBody>
+                    <a:bodyPr/>
+                    <a:lstStyle/>
+                    <a:p>
+                      <a:endParaRPr lang="en-ZA" dirty="0"/>
+                    </a:p>
+                  </a:txBody>
+                  <a:tcPr>
+                    <a:noFill/>
+                  </a:tcPr>
+                </a:tc>
+                <a:tc>
+                  <a:txBody>
+                    <a:bodyPr/>
+                    <a:lstStyle/>
+                    <a:p>
+                      <a:endParaRPr lang="en-ZA" dirty="0"/>
+                    </a:p>
+                  </a:txBody>
+                  <a:tcPr>
+                    <a:solidFill>
+                      <a:schemeClr val="bg1"/>
+                    </a:solidFill>
+                  </a:tcPr>
+                </a:tc>
+                <a:tc>
+                  <a:txBody>
+                    <a:bodyPr/>
+                    <a:lstStyle/>
+                    <a:p>
+                      <a:endParaRPr lang="en-ZA" dirty="0"/>
+                    </a:p>
+                  </a:txBody>
+                  <a:tcPr>
+                    <a:solidFill>
+                      <a:schemeClr val="tx1"/>
+                    </a:solidFill>
+                  </a:tcPr>
+                </a:tc>
+                <a:tc>
+                  <a:txBody>
+                    <a:bodyPr/>
+                    <a:lstStyle/>
+                    <a:p>
+                      <a:endParaRPr lang="en-ZA" dirty="0"/>
+                    </a:p>
+                  </a:txBody>
+                  <a:tcPr>
+                    <a:solidFill>
+                      <a:schemeClr val="tx1"/>
+                    </a:solidFill>
+                  </a:tcPr>
+                </a:tc>
+              </a:tr>
+              <a:tr h="590771">
+                <a:tc>
+                  <a:txBody>
+                    <a:bodyPr/>
+                    <a:lstStyle/>
+                    <a:p>
+                      <a:endParaRPr lang="en-ZA"/>
+                    </a:p>
+                  </a:txBody>
+                  <a:tcPr>
+                    <a:solidFill>
+                      <a:schemeClr val="tx1"/>
+                    </a:solidFill>
+                  </a:tcPr>
+                </a:tc>
+                <a:tc>
+                  <a:txBody>
+                    <a:bodyPr/>
+                    <a:lstStyle/>
+                    <a:p>
+                      <a:endParaRPr lang="en-ZA"/>
+                    </a:p>
+                  </a:txBody>
+                  <a:tcPr>
+                    <a:solidFill>
+                      <a:schemeClr val="tx1"/>
+                    </a:solidFill>
+                  </a:tcPr>
+                </a:tc>
+                <a:tc>
+                  <a:txBody>
+                    <a:bodyPr/>
+                    <a:lstStyle/>
+                    <a:p>
+                      <a:endParaRPr lang="en-ZA"/>
+                    </a:p>
+                  </a:txBody>
+                  <a:tcPr>
+                    <a:solidFill>
+                      <a:schemeClr val="tx1"/>
+                    </a:solidFill>
+                  </a:tcPr>
+                </a:tc>
+                <a:tc>
+                  <a:txBody>
+                    <a:bodyPr/>
+                    <a:lstStyle/>
+                    <a:p>
+                      <a:endParaRPr lang="en-ZA" dirty="0"/>
+                    </a:p>
+                  </a:txBody>
+                  <a:tcPr>
+                    <a:solidFill>
+                      <a:schemeClr val="tx1"/>
+                    </a:solidFill>
+                  </a:tcPr>
+                </a:tc>
+                <a:tc>
+                  <a:txBody>
+                    <a:bodyPr/>
+                    <a:lstStyle/>
+                    <a:p>
+                      <a:endParaRPr lang="en-ZA" dirty="0"/>
+                    </a:p>
+                  </a:txBody>
+                  <a:tcPr>
+                    <a:solidFill>
+                      <a:schemeClr val="tx1"/>
+                    </a:solidFill>
+                  </a:tcPr>
+                </a:tc>
+                <a:tc>
+                  <a:txBody>
+                    <a:bodyPr/>
+                    <a:lstStyle/>
+                    <a:p>
+                      <a:endParaRPr lang="en-ZA"/>
+                    </a:p>
+                  </a:txBody>
+                  <a:tcPr>
+                    <a:solidFill>
+                      <a:schemeClr val="tx1"/>
+                    </a:solidFill>
+                  </a:tcPr>
+                </a:tc>
+                <a:tc>
+                  <a:txBody>
+                    <a:bodyPr/>
+                    <a:lstStyle/>
+                    <a:p>
+                      <a:endParaRPr lang="en-ZA" dirty="0"/>
+                    </a:p>
+                  </a:txBody>
+                  <a:tcPr>
+                    <a:solidFill>
+                      <a:schemeClr val="tx1"/>
+                    </a:solidFill>
+                  </a:tcPr>
+                </a:tc>
+              </a:tr>
+              <a:tr h="590771">
+                <a:tc>
+                  <a:txBody>
+                    <a:bodyPr/>
+                    <a:lstStyle/>
+                    <a:p>
+                      <a:endParaRPr lang="en-ZA"/>
+                    </a:p>
+                  </a:txBody>
+                  <a:tcPr>
+                    <a:solidFill>
+                      <a:schemeClr val="bg1">
+                        <a:lumMod val="85000"/>
+                      </a:schemeClr>
+                    </a:solidFill>
+                  </a:tcPr>
+                </a:tc>
+                <a:tc>
+                  <a:txBody>
+                    <a:bodyPr/>
+                    <a:lstStyle/>
+                    <a:p>
+                      <a:endParaRPr lang="en-ZA" dirty="0"/>
+                    </a:p>
+                  </a:txBody>
+                  <a:tcPr>
+                    <a:solidFill>
+                      <a:schemeClr val="tx1"/>
+                    </a:solidFill>
+                  </a:tcPr>
+                </a:tc>
+                <a:tc>
+                  <a:txBody>
+                    <a:bodyPr/>
+                    <a:lstStyle/>
+                    <a:p>
+                      <a:endParaRPr lang="en-ZA" dirty="0"/>
+                    </a:p>
+                  </a:txBody>
+                  <a:tcPr>
+                    <a:solidFill>
+                      <a:schemeClr val="tx1"/>
+                    </a:solidFill>
+                  </a:tcPr>
+                </a:tc>
+                <a:tc>
+                  <a:txBody>
+                    <a:bodyPr/>
+                    <a:lstStyle/>
+                    <a:p>
+                      <a:endParaRPr lang="en-ZA" dirty="0"/>
+                    </a:p>
+                  </a:txBody>
+                  <a:tcPr>
+                    <a:solidFill>
+                      <a:schemeClr val="tx1"/>
+                    </a:solidFill>
+                  </a:tcPr>
+                </a:tc>
+                <a:tc>
+                  <a:txBody>
+                    <a:bodyPr/>
+                    <a:lstStyle/>
+                    <a:p>
+                      <a:endParaRPr lang="en-ZA" dirty="0"/>
+                    </a:p>
+                  </a:txBody>
+                  <a:tcPr>
+                    <a:solidFill>
+                      <a:schemeClr val="tx1"/>
+                    </a:solidFill>
+                  </a:tcPr>
+                </a:tc>
+                <a:tc>
+                  <a:txBody>
+                    <a:bodyPr/>
+                    <a:lstStyle/>
+                    <a:p>
+                      <a:endParaRPr lang="en-ZA" dirty="0"/>
+                    </a:p>
+                  </a:txBody>
+                  <a:tcPr>
+                    <a:solidFill>
+                      <a:schemeClr val="tx1"/>
+                    </a:solidFill>
+                  </a:tcPr>
+                </a:tc>
+                <a:tc>
+                  <a:txBody>
+                    <a:bodyPr/>
+                    <a:lstStyle/>
+                    <a:p>
+                      <a:endParaRPr lang="en-ZA"/>
+                    </a:p>
+                  </a:txBody>
+                  <a:tcPr>
+                    <a:solidFill>
+                      <a:schemeClr val="bg1">
+                        <a:lumMod val="85000"/>
+                      </a:schemeClr>
+                    </a:solidFill>
+                  </a:tcPr>
+                </a:tc>
+              </a:tr>
+              <a:tr h="590771">
+                <a:tc>
+                  <a:txBody>
+                    <a:bodyPr/>
+                    <a:lstStyle/>
+                    <a:p>
+                      <a:endParaRPr lang="en-ZA"/>
+                    </a:p>
+                  </a:txBody>
+                  <a:tcPr>
+                    <a:solidFill>
+                      <a:schemeClr val="bg1">
+                        <a:lumMod val="85000"/>
+                      </a:schemeClr>
+                    </a:solidFill>
+                  </a:tcPr>
+                </a:tc>
+                <a:tc>
+                  <a:txBody>
+                    <a:bodyPr/>
+                    <a:lstStyle/>
+                    <a:p>
+                      <a:endParaRPr lang="en-ZA"/>
+                    </a:p>
+                  </a:txBody>
+                  <a:tcPr>
+                    <a:solidFill>
+                      <a:schemeClr val="bg1">
+                        <a:lumMod val="85000"/>
+                      </a:schemeClr>
+                    </a:solidFill>
+                  </a:tcPr>
+                </a:tc>
+                <a:tc>
+                  <a:txBody>
+                    <a:bodyPr/>
+                    <a:lstStyle/>
+                    <a:p>
+                      <a:endParaRPr lang="en-ZA" dirty="0"/>
+                    </a:p>
+                  </a:txBody>
+                  <a:tcPr>
+                    <a:solidFill>
+                      <a:schemeClr val="tx1"/>
+                    </a:solidFill>
+                  </a:tcPr>
+                </a:tc>
+                <a:tc>
+                  <a:txBody>
+                    <a:bodyPr/>
+                    <a:lstStyle/>
+                    <a:p>
+                      <a:endParaRPr lang="en-ZA" dirty="0"/>
+                    </a:p>
+                  </a:txBody>
+                  <a:tcPr>
+                    <a:solidFill>
+                      <a:schemeClr val="tx1"/>
+                    </a:solidFill>
+                  </a:tcPr>
+                </a:tc>
+                <a:tc>
+                  <a:txBody>
+                    <a:bodyPr/>
+                    <a:lstStyle/>
+                    <a:p>
+                      <a:endParaRPr lang="en-ZA" dirty="0"/>
+                    </a:p>
+                  </a:txBody>
+                  <a:tcPr>
+                    <a:solidFill>
+                      <a:schemeClr val="tx1"/>
+                    </a:solidFill>
+                  </a:tcPr>
+                </a:tc>
+                <a:tc>
+                  <a:txBody>
+                    <a:bodyPr/>
+                    <a:lstStyle/>
+                    <a:p>
+                      <a:endParaRPr lang="en-ZA" dirty="0"/>
+                    </a:p>
+                  </a:txBody>
+                  <a:tcPr>
+                    <a:solidFill>
+                      <a:schemeClr val="bg1">
+                        <a:lumMod val="85000"/>
+                      </a:schemeClr>
+                    </a:solidFill>
+                  </a:tcPr>
+                </a:tc>
+                <a:tc>
+                  <a:txBody>
+                    <a:bodyPr/>
+                    <a:lstStyle/>
+                    <a:p>
+                      <a:endParaRPr lang="en-ZA" dirty="0"/>
+                    </a:p>
+                  </a:txBody>
+                  <a:tcPr>
+                    <a:solidFill>
+                      <a:schemeClr val="bg1">
+                        <a:lumMod val="85000"/>
+                      </a:schemeClr>
+                    </a:solidFill>
+                  </a:tcPr>
+                </a:tc>
+              </a:tr>
+            </a:tbl>
+          </a:graphicData>
+        </a:graphic>
+      </p:graphicFrame>
+      <p:sp>
+        <p:nvSpPr>
+          <p:cNvPr id="14" name="Freeform 13"/>
+          <p:cNvSpPr/>
+          <p:nvPr/>
+        </p:nvSpPr>
+        <p:spPr>
+          <a:xfrm>
+            <a:off x="3090960" y="945573"/>
+            <a:ext cx="1896676" cy="1745672"/>
+          </a:xfrm>
+          <a:custGeom>
+            <a:avLst/>
+            <a:gdLst>
+              <a:gd name="connsiteX0" fmla="*/ 732895 w 1896676"/>
+              <a:gd name="connsiteY0" fmla="*/ 1745672 h 1745672"/>
+              <a:gd name="connsiteX1" fmla="*/ 47095 w 1896676"/>
+              <a:gd name="connsiteY1" fmla="*/ 727363 h 1745672"/>
+              <a:gd name="connsiteX2" fmla="*/ 1896676 w 1896676"/>
+              <a:gd name="connsiteY2" fmla="*/ 0 h 1745672"/>
+              <a:gd name="connsiteX3" fmla="*/ 1896676 w 1896676"/>
+              <a:gd name="connsiteY3" fmla="*/ 0 h 1745672"/>
+            </a:gdLst>
+            <a:ahLst/>
+            <a:cxnLst>
+              <a:cxn ang="0">
+                <a:pos x="connsiteX0" y="connsiteY0"/>
+              </a:cxn>
+              <a:cxn ang="0">
+                <a:pos x="connsiteX1" y="connsiteY1"/>
+              </a:cxn>
+              <a:cxn ang="0">
+                <a:pos x="connsiteX2" y="connsiteY2"/>
+              </a:cxn>
+              <a:cxn ang="0">
+                <a:pos x="connsiteX3" y="connsiteY3"/>
+              </a:cxn>
+            </a:cxnLst>
+            <a:rect l="l" t="t" r="r" b="b"/>
+            <a:pathLst>
+              <a:path w="1896676" h="1745672">
+                <a:moveTo>
+                  <a:pt x="732895" y="1745672"/>
+                </a:moveTo>
+                <a:cubicBezTo>
+                  <a:pt x="293013" y="1381990"/>
+                  <a:pt x="-146868" y="1018308"/>
+                  <a:pt x="47095" y="727363"/>
+                </a:cubicBezTo>
+                <a:cubicBezTo>
+                  <a:pt x="241058" y="436418"/>
+                  <a:pt x="1896676" y="0"/>
+                  <a:pt x="1896676" y="0"/>
+                </a:cubicBezTo>
+                <a:lnTo>
+                  <a:pt x="1896676" y="0"/>
+                </a:lnTo>
+              </a:path>
+            </a:pathLst>
+          </a:custGeom>
+          <a:noFill/>
+          <a:ln w="76200">
+            <a:solidFill>
+              <a:srgbClr val="7030A0"/>
+            </a:solidFill>
+            <a:headEnd type="none" w="med" len="med"/>
+            <a:tailEnd type="triangle" w="med" len="med"/>
+          </a:ln>
+        </p:spPr>
+        <p:style>
+          <a:lnRef idx="2">
+            <a:schemeClr val="accent1">
+              <a:shade val="50000"/>
+            </a:schemeClr>
+          </a:lnRef>
+          <a:fillRef idx="1">
+            <a:schemeClr val="accent1"/>
+          </a:fillRef>
+          <a:effectRef idx="0">
+            <a:schemeClr val="accent1"/>
+          </a:effectRef>
+          <a:fontRef idx="minor">
+            <a:schemeClr val="lt1"/>
+          </a:fontRef>
+        </p:style>
+        <p:txBody>
+          <a:bodyPr rtlCol="0" anchor="ctr"/>
+          <a:lstStyle/>
+          <a:p>
+            <a:pPr algn="ctr"/>
+            <a:endParaRPr lang="en-ZA"/>
+          </a:p>
+        </p:txBody>
+      </p:sp>
+      <p:sp>
+        <p:nvSpPr>
+          <p:cNvPr id="15" name="Freeform 14"/>
+          <p:cNvSpPr/>
+          <p:nvPr/>
+        </p:nvSpPr>
+        <p:spPr>
+          <a:xfrm>
+            <a:off x="3844636" y="2059347"/>
+            <a:ext cx="706928" cy="1286526"/>
+          </a:xfrm>
+          <a:custGeom>
+            <a:avLst/>
+            <a:gdLst>
+              <a:gd name="connsiteX0" fmla="*/ 0 w 706928"/>
+              <a:gd name="connsiteY0" fmla="*/ 1286526 h 1286526"/>
+              <a:gd name="connsiteX1" fmla="*/ 706582 w 706928"/>
+              <a:gd name="connsiteY1" fmla="*/ 766980 h 1286526"/>
+              <a:gd name="connsiteX2" fmla="*/ 93519 w 706928"/>
+              <a:gd name="connsiteY2" fmla="*/ 81180 h 1286526"/>
+              <a:gd name="connsiteX3" fmla="*/ 20782 w 706928"/>
+              <a:gd name="connsiteY3" fmla="*/ 39617 h 1286526"/>
+            </a:gdLst>
+            <a:ahLst/>
+            <a:cxnLst>
+              <a:cxn ang="0">
+                <a:pos x="connsiteX0" y="connsiteY0"/>
+              </a:cxn>
+              <a:cxn ang="0">
+                <a:pos x="connsiteX1" y="connsiteY1"/>
+              </a:cxn>
+              <a:cxn ang="0">
+                <a:pos x="connsiteX2" y="connsiteY2"/>
+              </a:cxn>
+              <a:cxn ang="0">
+                <a:pos x="connsiteX3" y="connsiteY3"/>
+              </a:cxn>
+            </a:cxnLst>
+            <a:rect l="l" t="t" r="r" b="b"/>
+            <a:pathLst>
+              <a:path w="706928" h="1286526">
+                <a:moveTo>
+                  <a:pt x="0" y="1286526"/>
+                </a:moveTo>
+                <a:cubicBezTo>
+                  <a:pt x="345498" y="1127198"/>
+                  <a:pt x="690996" y="967871"/>
+                  <a:pt x="706582" y="766980"/>
+                </a:cubicBezTo>
+                <a:cubicBezTo>
+                  <a:pt x="722168" y="566089"/>
+                  <a:pt x="207819" y="202407"/>
+                  <a:pt x="93519" y="81180"/>
+                </a:cubicBezTo>
+                <a:cubicBezTo>
+                  <a:pt x="-20781" y="-40047"/>
+                  <a:pt x="0" y="-215"/>
+                  <a:pt x="20782" y="39617"/>
+                </a:cubicBezTo>
+              </a:path>
+            </a:pathLst>
+          </a:custGeom>
+          <a:noFill/>
+          <a:ln w="76200">
+            <a:solidFill>
+              <a:srgbClr val="7030A0"/>
+            </a:solidFill>
+            <a:headEnd type="none" w="med" len="med"/>
+            <a:tailEnd type="triangle" w="med" len="med"/>
+          </a:ln>
+        </p:spPr>
+        <p:style>
+          <a:lnRef idx="2">
+            <a:schemeClr val="accent1">
+              <a:shade val="50000"/>
+            </a:schemeClr>
+          </a:lnRef>
+          <a:fillRef idx="1">
+            <a:schemeClr val="accent1"/>
+          </a:fillRef>
+          <a:effectRef idx="0">
+            <a:schemeClr val="accent1"/>
+          </a:effectRef>
+          <a:fontRef idx="minor">
+            <a:schemeClr val="lt1"/>
+          </a:fontRef>
+        </p:style>
+        <p:txBody>
+          <a:bodyPr rtlCol="0" anchor="ctr"/>
+          <a:lstStyle/>
+          <a:p>
+            <a:pPr algn="ctr"/>
+            <a:endParaRPr lang="en-ZA"/>
+          </a:p>
+        </p:txBody>
+      </p:sp>
+      <p:sp>
+        <p:nvSpPr>
+          <p:cNvPr id="16" name="Freeform 15"/>
+          <p:cNvSpPr/>
+          <p:nvPr/>
+        </p:nvSpPr>
+        <p:spPr>
+          <a:xfrm>
+            <a:off x="7824355" y="2129251"/>
+            <a:ext cx="1402772" cy="603558"/>
+          </a:xfrm>
+          <a:custGeom>
+            <a:avLst/>
+            <a:gdLst>
+              <a:gd name="connsiteX0" fmla="*/ 0 w 1402772"/>
+              <a:gd name="connsiteY0" fmla="*/ 603558 h 603558"/>
+              <a:gd name="connsiteX1" fmla="*/ 353290 w 1402772"/>
+              <a:gd name="connsiteY1" fmla="*/ 885 h 603558"/>
+              <a:gd name="connsiteX2" fmla="*/ 1402772 w 1402772"/>
+              <a:gd name="connsiteY2" fmla="*/ 458085 h 603558"/>
+              <a:gd name="connsiteX3" fmla="*/ 1402772 w 1402772"/>
+              <a:gd name="connsiteY3" fmla="*/ 458085 h 603558"/>
+            </a:gdLst>
+            <a:ahLst/>
+            <a:cxnLst>
+              <a:cxn ang="0">
+                <a:pos x="connsiteX0" y="connsiteY0"/>
+              </a:cxn>
+              <a:cxn ang="0">
+                <a:pos x="connsiteX1" y="connsiteY1"/>
+              </a:cxn>
+              <a:cxn ang="0">
+                <a:pos x="connsiteX2" y="connsiteY2"/>
+              </a:cxn>
+              <a:cxn ang="0">
+                <a:pos x="connsiteX3" y="connsiteY3"/>
+              </a:cxn>
+            </a:cxnLst>
+            <a:rect l="l" t="t" r="r" b="b"/>
+            <a:pathLst>
+              <a:path w="1402772" h="603558">
+                <a:moveTo>
+                  <a:pt x="0" y="603558"/>
+                </a:moveTo>
+                <a:cubicBezTo>
+                  <a:pt x="59747" y="314344"/>
+                  <a:pt x="119495" y="25130"/>
+                  <a:pt x="353290" y="885"/>
+                </a:cubicBezTo>
+                <a:cubicBezTo>
+                  <a:pt x="587085" y="-23360"/>
+                  <a:pt x="1402772" y="458085"/>
+                  <a:pt x="1402772" y="458085"/>
+                </a:cubicBezTo>
+                <a:lnTo>
+                  <a:pt x="1402772" y="458085"/>
+                </a:lnTo>
+              </a:path>
+            </a:pathLst>
+          </a:custGeom>
+          <a:noFill/>
+          <a:ln w="76200">
+            <a:solidFill>
+              <a:srgbClr val="7030A0"/>
+            </a:solidFill>
+            <a:headEnd type="none" w="med" len="med"/>
+            <a:tailEnd type="triangle" w="med" len="med"/>
+          </a:ln>
+        </p:spPr>
+        <p:style>
+          <a:lnRef idx="2">
+            <a:schemeClr val="accent1">
+              <a:shade val="50000"/>
+            </a:schemeClr>
+          </a:lnRef>
+          <a:fillRef idx="1">
+            <a:schemeClr val="accent1"/>
+          </a:fillRef>
+          <a:effectRef idx="0">
+            <a:schemeClr val="accent1"/>
+          </a:effectRef>
+          <a:fontRef idx="minor">
+            <a:schemeClr val="lt1"/>
+          </a:fontRef>
+        </p:style>
+        <p:txBody>
+          <a:bodyPr rtlCol="0" anchor="ctr"/>
+          <a:lstStyle/>
+          <a:p>
+            <a:pPr algn="ctr"/>
+            <a:endParaRPr lang="en-ZA"/>
+          </a:p>
+        </p:txBody>
+      </p:sp>
+      <p:sp>
+        <p:nvSpPr>
+          <p:cNvPr id="17" name="Freeform 16"/>
+          <p:cNvSpPr/>
+          <p:nvPr/>
+        </p:nvSpPr>
+        <p:spPr>
+          <a:xfrm>
+            <a:off x="8554028" y="2701636"/>
+            <a:ext cx="1463938" cy="1895791"/>
+          </a:xfrm>
+          <a:custGeom>
+            <a:avLst/>
+            <a:gdLst>
+              <a:gd name="connsiteX0" fmla="*/ 18472 w 1463938"/>
+              <a:gd name="connsiteY0" fmla="*/ 0 h 1895791"/>
+              <a:gd name="connsiteX1" fmla="*/ 184727 w 1463938"/>
+              <a:gd name="connsiteY1" fmla="*/ 1132609 h 1895791"/>
+              <a:gd name="connsiteX2" fmla="*/ 1348508 w 1463938"/>
+              <a:gd name="connsiteY2" fmla="*/ 1828800 h 1895791"/>
+              <a:gd name="connsiteX3" fmla="*/ 1358899 w 1463938"/>
+              <a:gd name="connsiteY3" fmla="*/ 1828800 h 1895791"/>
+            </a:gdLst>
+            <a:ahLst/>
+            <a:cxnLst>
+              <a:cxn ang="0">
+                <a:pos x="connsiteX0" y="connsiteY0"/>
+              </a:cxn>
+              <a:cxn ang="0">
+                <a:pos x="connsiteX1" y="connsiteY1"/>
+              </a:cxn>
+              <a:cxn ang="0">
+                <a:pos x="connsiteX2" y="connsiteY2"/>
+              </a:cxn>
+              <a:cxn ang="0">
+                <a:pos x="connsiteX3" y="connsiteY3"/>
+              </a:cxn>
+            </a:cxnLst>
+            <a:rect l="l" t="t" r="r" b="b"/>
+            <a:pathLst>
+              <a:path w="1463938" h="1895791">
+                <a:moveTo>
+                  <a:pt x="18472" y="0"/>
+                </a:moveTo>
+                <a:cubicBezTo>
+                  <a:pt x="-9237" y="413904"/>
+                  <a:pt x="-36946" y="827809"/>
+                  <a:pt x="184727" y="1132609"/>
+                </a:cubicBezTo>
+                <a:cubicBezTo>
+                  <a:pt x="406400" y="1437409"/>
+                  <a:pt x="1152813" y="1712768"/>
+                  <a:pt x="1348508" y="1828800"/>
+                </a:cubicBezTo>
+                <a:cubicBezTo>
+                  <a:pt x="1544203" y="1944832"/>
+                  <a:pt x="1451551" y="1886816"/>
+                  <a:pt x="1358899" y="1828800"/>
+                </a:cubicBezTo>
+              </a:path>
+            </a:pathLst>
+          </a:custGeom>
+          <a:noFill/>
+          <a:ln w="76200">
+            <a:solidFill>
+              <a:srgbClr val="7030A0"/>
+            </a:solidFill>
+            <a:headEnd type="none" w="med" len="med"/>
+            <a:tailEnd type="triangle" w="med" len="med"/>
+          </a:ln>
+        </p:spPr>
+        <p:style>
+          <a:lnRef idx="2">
+            <a:schemeClr val="accent1">
+              <a:shade val="50000"/>
+            </a:schemeClr>
+          </a:lnRef>
+          <a:fillRef idx="1">
+            <a:schemeClr val="accent1"/>
+          </a:fillRef>
+          <a:effectRef idx="0">
+            <a:schemeClr val="accent1"/>
+          </a:effectRef>
+          <a:fontRef idx="minor">
+            <a:schemeClr val="lt1"/>
+          </a:fontRef>
+        </p:style>
+        <p:txBody>
+          <a:bodyPr rtlCol="0" anchor="ctr"/>
+          <a:lstStyle/>
+          <a:p>
+            <a:pPr algn="ctr"/>
+            <a:endParaRPr lang="en-ZA"/>
+          </a:p>
+        </p:txBody>
+      </p:sp>
+    </p:spTree>
+    <p:extLst>
+      <p:ext uri="{BB962C8B-B14F-4D97-AF65-F5344CB8AC3E}">
+        <p14:creationId xmlns:p14="http://schemas.microsoft.com/office/powerpoint/2010/main" val="2957127655"/>
+      </p:ext>
+    </p:extLst>
+  </p:cSld>
+  <p:clrMapOvr>
+    <a:masterClrMapping/>
+  </p:clrMapOvr>
+</p:sld>
+</file>
+
+<file path=ppt/slides/slide3.xml><?xml version="1.0" encoding="utf-8"?>
+<p:sld xmlns:a="http://schemas.openxmlformats.org/drawingml/2006/main" xmlns:r="http://schemas.openxmlformats.org/officeDocument/2006/relationships" xmlns:p="http://schemas.openxmlformats.org/presentationml/2006/main">
+  <p:cSld>
+    <p:spTree>
+      <p:nvGrpSpPr>
+        <p:cNvPr id="1" name=""/>
+        <p:cNvGrpSpPr/>
+        <p:nvPr/>
+      </p:nvGrpSpPr>
+      <p:grpSpPr>
+        <a:xfrm>
+          <a:off x="0" y="0"/>
+          <a:ext cx="0" cy="0"/>
+          <a:chOff x="0" y="0"/>
+          <a:chExt cx="0" cy="0"/>
+        </a:xfrm>
+      </p:grpSpPr>
+      <p:graphicFrame>
+        <p:nvGraphicFramePr>
+          <p:cNvPr id="4" name="Table 3"/>
+          <p:cNvGraphicFramePr>
+            <a:graphicFrameLocks noGrp="1"/>
+          </p:cNvGraphicFramePr>
           <p:nvPr/>
         </p:nvGraphicFramePr>
         <p:xfrm>
